--- a/presentation.pptx
+++ b/presentation.pptx
@@ -162,6 +162,7 @@
     <p1510:client id="{CF5F7721-E81F-CCB5-E637-D1507DEBE3CB}" v="415" dt="2025-06-18T19:10:25.420"/>
     <p1510:client id="{D833BF52-7224-FF32-3C19-D8EEADA99863}" v="2782" dt="2025-06-18T18:55:16.247"/>
     <p1510:client id="{E0E731BD-D34A-BD23-5EC5-DC93E8320420}" v="10" dt="2025-06-18T19:35:05.713"/>
+    <p1510:client id="{EDBC5F66-D08F-D3D3-53A1-3882F5188C2B}" v="117" dt="2025-06-18T20:54:57.172"/>
   </p1510:revLst>
 </p1510:revInfo>
 </file>
@@ -15505,7 +15506,7 @@
         <p:spPr>
           <a:xfrm>
             <a:off x="2724123" y="2894785"/>
-            <a:ext cx="13579388" cy="5116209"/>
+            <a:ext cx="13579388" cy="5139292"/>
           </a:xfrm>
           <a:prstGeom prst="rect">
             <a:avLst/>
@@ -15529,7 +15530,7 @@
               <a:buChar char="•"/>
             </a:pPr>
             <a:r>
-              <a:rPr lang="it-IT" sz="2450">
+              <a:rPr lang="it-IT" sz="2450" dirty="0">
                 <a:solidFill>
                   <a:srgbClr val="191919"/>
                 </a:solidFill>
@@ -15539,7 +15540,7 @@
               <a:t>Mishra P., </a:t>
             </a:r>
             <a:r>
-              <a:rPr lang="it-IT" sz="2450" err="1">
+              <a:rPr lang="it-IT" sz="2450" dirty="0" err="1">
                 <a:solidFill>
                   <a:srgbClr val="191919"/>
                 </a:solidFill>
@@ -15549,7 +15550,7 @@
               <a:t>Verk</a:t>
             </a:r>
             <a:r>
-              <a:rPr lang="it-IT" sz="2450">
+              <a:rPr lang="it-IT" sz="2450" dirty="0">
                 <a:solidFill>
                   <a:srgbClr val="191919"/>
                 </a:solidFill>
@@ -15559,7 +15560,7 @@
               <a:t> R., Fornasier D., </a:t>
             </a:r>
             <a:r>
-              <a:rPr lang="it-IT" sz="2450" err="1">
+              <a:rPr lang="it-IT" sz="2450" dirty="0" err="1">
                 <a:solidFill>
                   <a:srgbClr val="191919"/>
                 </a:solidFill>
@@ -15569,17 +15570,27 @@
               <a:t>Piciarelli</a:t>
             </a:r>
             <a:r>
-              <a:rPr lang="it-IT" sz="2450">
+              <a:rPr lang="it-IT" sz="2450" dirty="0">
                 <a:solidFill>
                   <a:srgbClr val="191919"/>
                 </a:solidFill>
                 <a:latin typeface="Gotham"/>
                 <a:cs typeface="Gotham Bold"/>
               </a:rPr>
-              <a:t> C., Foresti G. L. (2021). VT-ADL: A Vision Transformer Network for Image </a:t>
+              <a:t> C., Foresti G. L., </a:t>
             </a:r>
             <a:r>
-              <a:rPr lang="it-IT" sz="2450" err="1">
+              <a:rPr lang="it-IT" sz="2450" i="1" dirty="0">
+                <a:solidFill>
+                  <a:srgbClr val="191919"/>
+                </a:solidFill>
+                <a:latin typeface="Gotham"/>
+                <a:cs typeface="Gotham Bold"/>
+              </a:rPr>
+              <a:t>VT-ADL: A Vision Transformer Network for Image </a:t>
+            </a:r>
+            <a:r>
+              <a:rPr lang="it-IT" sz="2450" i="1" dirty="0" err="1">
                 <a:solidFill>
                   <a:srgbClr val="191919"/>
                 </a:solidFill>
@@ -15589,7 +15600,7 @@
               <a:t>Anomaly</a:t>
             </a:r>
             <a:r>
-              <a:rPr lang="it-IT" sz="2450">
+              <a:rPr lang="it-IT" sz="2450" i="1" dirty="0">
                 <a:solidFill>
                   <a:srgbClr val="191919"/>
                 </a:solidFill>
@@ -15599,7 +15610,7 @@
               <a:t> </a:t>
             </a:r>
             <a:r>
-              <a:rPr lang="it-IT" sz="2450" err="1">
+              <a:rPr lang="it-IT" sz="2450" i="1" dirty="0" err="1">
                 <a:solidFill>
                   <a:srgbClr val="191919"/>
                 </a:solidFill>
@@ -15609,7 +15620,7 @@
               <a:t>Detection</a:t>
             </a:r>
             <a:r>
-              <a:rPr lang="it-IT" sz="2450">
+              <a:rPr lang="it-IT" sz="2450" i="1" dirty="0">
                 <a:solidFill>
                   <a:srgbClr val="191919"/>
                 </a:solidFill>
@@ -15619,7 +15630,7 @@
               <a:t> and </a:t>
             </a:r>
             <a:r>
-              <a:rPr lang="it-IT" sz="2450" err="1">
+              <a:rPr lang="it-IT" sz="2450" i="1" dirty="0" err="1">
                 <a:solidFill>
                   <a:srgbClr val="191919"/>
                 </a:solidFill>
@@ -15628,7 +15639,27 @@
               </a:rPr>
               <a:t>Localization</a:t>
             </a:r>
-            <a:endParaRPr lang="en-US" sz="2450" err="1">
+            <a:r>
+              <a:rPr lang="it-IT" sz="2450" i="1" dirty="0">
+                <a:solidFill>
+                  <a:srgbClr val="191919"/>
+                </a:solidFill>
+                <a:latin typeface="Gotham"/>
+                <a:cs typeface="Gotham Bold"/>
+              </a:rPr>
+              <a:t> </a:t>
+            </a:r>
+            <a:r>
+              <a:rPr lang="it-IT" sz="2500" dirty="0">
+                <a:solidFill>
+                  <a:srgbClr val="191919"/>
+                </a:solidFill>
+                <a:latin typeface="Gotham"/>
+                <a:cs typeface="Gotham"/>
+              </a:rPr>
+              <a:t>(2021)</a:t>
+            </a:r>
+            <a:endParaRPr lang="en-US" sz="2450" i="1" dirty="0">
               <a:solidFill>
                 <a:srgbClr val="191919"/>
               </a:solidFill>
@@ -15645,7 +15676,7 @@
               <a:buChar char="•"/>
             </a:pPr>
             <a:r>
-              <a:rPr lang="it-IT" sz="2450">
+              <a:rPr lang="it-IT" sz="2450" dirty="0">
                 <a:solidFill>
                   <a:srgbClr val="191919"/>
                 </a:solidFill>
@@ -15655,7 +15686,7 @@
               <a:t>Zhu, J., Chen, X., He, K., </a:t>
             </a:r>
             <a:r>
-              <a:rPr lang="it-IT" sz="2450" err="1">
+              <a:rPr lang="it-IT" sz="2450" dirty="0" err="1">
                 <a:solidFill>
                   <a:srgbClr val="191919"/>
                 </a:solidFill>
@@ -15665,7 +15696,7 @@
               <a:t>LeCun</a:t>
             </a:r>
             <a:r>
-              <a:rPr lang="it-IT" sz="2450">
+              <a:rPr lang="it-IT" sz="2450" dirty="0">
                 <a:solidFill>
                   <a:srgbClr val="191919"/>
                 </a:solidFill>
@@ -15675,7 +15706,7 @@
               <a:t>, Y., &amp; </a:t>
             </a:r>
             <a:r>
-              <a:rPr lang="it-IT" sz="2450" err="1">
+              <a:rPr lang="it-IT" sz="2450" dirty="0" err="1">
                 <a:solidFill>
                   <a:srgbClr val="191919"/>
                 </a:solidFill>
@@ -15685,17 +15716,27 @@
               <a:t>Liu</a:t>
             </a:r>
             <a:r>
-              <a:rPr lang="it-IT" sz="2450">
+              <a:rPr lang="it-IT" sz="2450" dirty="0">
                 <a:solidFill>
                   <a:srgbClr val="191919"/>
                 </a:solidFill>
                 <a:latin typeface="Gotham"/>
                 <a:cs typeface="Gotham Bold"/>
               </a:rPr>
-              <a:t>, Z. (2025). Transformers </a:t>
+              <a:t>, Z., </a:t>
             </a:r>
             <a:r>
-              <a:rPr lang="it-IT" sz="2450" err="1">
+              <a:rPr lang="it-IT" sz="2450" i="1" dirty="0">
+                <a:solidFill>
+                  <a:srgbClr val="191919"/>
+                </a:solidFill>
+                <a:latin typeface="Gotham"/>
+                <a:cs typeface="Gotham Bold"/>
+              </a:rPr>
+              <a:t>Transformers </a:t>
+            </a:r>
+            <a:r>
+              <a:rPr lang="it-IT" sz="2450" i="1" dirty="0" err="1">
                 <a:solidFill>
                   <a:srgbClr val="191919"/>
                 </a:solidFill>
@@ -15705,7 +15746,7 @@
               <a:t>without</a:t>
             </a:r>
             <a:r>
-              <a:rPr lang="it-IT" sz="2450">
+              <a:rPr lang="it-IT" sz="2450" i="1" dirty="0">
                 <a:solidFill>
                   <a:srgbClr val="191919"/>
                 </a:solidFill>
@@ -15715,7 +15756,7 @@
               <a:t> </a:t>
             </a:r>
             <a:r>
-              <a:rPr lang="it-IT" sz="2450" err="1">
+              <a:rPr lang="it-IT" sz="2450" i="1" dirty="0" err="1">
                 <a:solidFill>
                   <a:srgbClr val="191919"/>
                 </a:solidFill>
@@ -15724,7 +15765,27 @@
               </a:rPr>
               <a:t>Normalization</a:t>
             </a:r>
-            <a:endParaRPr lang="en-US" sz="2450" err="1">
+            <a:r>
+              <a:rPr lang="it-IT" sz="2450" i="1" dirty="0">
+                <a:solidFill>
+                  <a:srgbClr val="191919"/>
+                </a:solidFill>
+                <a:latin typeface="Gotham"/>
+                <a:cs typeface="Gotham Bold"/>
+              </a:rPr>
+              <a:t> </a:t>
+            </a:r>
+            <a:r>
+              <a:rPr lang="it-IT" sz="2500" dirty="0">
+                <a:solidFill>
+                  <a:srgbClr val="191919"/>
+                </a:solidFill>
+                <a:latin typeface="Gotham"/>
+                <a:cs typeface="Gotham"/>
+              </a:rPr>
+              <a:t>(2025)</a:t>
+            </a:r>
+            <a:endParaRPr lang="en-US" sz="2450" i="1" dirty="0">
               <a:solidFill>
                 <a:srgbClr val="191919"/>
               </a:solidFill>
@@ -15741,14 +15802,34 @@
               <a:buChar char="•"/>
             </a:pPr>
             <a:r>
-              <a:rPr lang="en-US" sz="2450">
+              <a:rPr lang="en-US" sz="2450" dirty="0">
                 <a:solidFill>
                   <a:srgbClr val="191919"/>
                 </a:solidFill>
                 <a:latin typeface="Gotham"/>
                 <a:cs typeface="Gotham Bold"/>
               </a:rPr>
-              <a:t>Liu J., Xie G., Wang J., Li S., Wang C., Zheng F.,  Jin Y. (2024). Deep Industrial Image Anomaly Detection: A Survey</a:t>
+              <a:t>Liu J., Xie G., Wang J., Li S., Wang C., Zheng F.,  Jin Y., </a:t>
+            </a:r>
+            <a:r>
+              <a:rPr lang="en-US" sz="2450" i="1" dirty="0">
+                <a:solidFill>
+                  <a:srgbClr val="191919"/>
+                </a:solidFill>
+                <a:latin typeface="Gotham"/>
+                <a:cs typeface="Gotham Bold"/>
+              </a:rPr>
+              <a:t>Deep Industrial Image Anomaly Detection: A Survey </a:t>
+            </a:r>
+            <a:r>
+              <a:rPr lang="en-US" sz="2500" dirty="0">
+                <a:solidFill>
+                  <a:srgbClr val="191919"/>
+                </a:solidFill>
+                <a:latin typeface="Gotham"/>
+                <a:cs typeface="Gotham"/>
+              </a:rPr>
+              <a:t>(2024)</a:t>
             </a:r>
           </a:p>
           <a:p>
@@ -15760,7 +15841,7 @@
               <a:buChar char="•"/>
             </a:pPr>
             <a:r>
-              <a:rPr lang="en-US" sz="2450">
+              <a:rPr lang="en-US" sz="2450" dirty="0">
                 <a:solidFill>
                   <a:srgbClr val="191919"/>
                 </a:solidFill>
@@ -15770,7 +15851,7 @@
               <a:t>Bergmann  P., Fauser M., </a:t>
             </a:r>
             <a:r>
-              <a:rPr lang="en-US" sz="2450" err="1">
+              <a:rPr lang="en-US" sz="2450" dirty="0" err="1">
                 <a:solidFill>
                   <a:srgbClr val="191919"/>
                 </a:solidFill>
@@ -15780,17 +15861,17 @@
               <a:t>Sattlegger</a:t>
             </a:r>
             <a:r>
-              <a:rPr lang="en-US" sz="2450">
+              <a:rPr lang="en-US" sz="2450" dirty="0">
                 <a:solidFill>
                   <a:srgbClr val="191919"/>
                 </a:solidFill>
                 <a:latin typeface="Gotham"/>
                 <a:cs typeface="Gotham Bold"/>
               </a:rPr>
-              <a:t> D., Steger C. (2021). </a:t>
+              <a:t> D., Steger C., </a:t>
             </a:r>
             <a:r>
-              <a:rPr lang="en-US" sz="2450" err="1">
+              <a:rPr lang="en-US" sz="2450" i="1" dirty="0" err="1">
                 <a:solidFill>
                   <a:srgbClr val="191919"/>
                 </a:solidFill>
@@ -15800,14 +15881,24 @@
               <a:t>MVTec</a:t>
             </a:r>
             <a:r>
-              <a:rPr lang="en-US" sz="2450">
+              <a:rPr lang="en-US" sz="2450" i="1" dirty="0">
                 <a:solidFill>
                   <a:srgbClr val="191919"/>
                 </a:solidFill>
                 <a:latin typeface="Gotham"/>
                 <a:cs typeface="Gotham Bold"/>
               </a:rPr>
-              <a:t> AD — A Comprehensive Real-World Dataset for Unsupervised Anomaly Detection</a:t>
+              <a:t> AD — A Comprehensive Real-World Dataset for Unsupervised Anomaly Detection </a:t>
+            </a:r>
+            <a:r>
+              <a:rPr lang="en-US" sz="2500" dirty="0">
+                <a:solidFill>
+                  <a:srgbClr val="191919"/>
+                </a:solidFill>
+                <a:latin typeface="Gotham"/>
+                <a:cs typeface="Gotham"/>
+              </a:rPr>
+              <a:t>(2021)</a:t>
             </a:r>
           </a:p>
           <a:p>
@@ -15819,14 +15910,34 @@
               <a:buChar char="•"/>
             </a:pPr>
             <a:r>
-              <a:rPr lang="en-US" sz="2450">
+              <a:rPr lang="en-US" sz="2450" dirty="0">
                 <a:solidFill>
                   <a:srgbClr val="191919"/>
                 </a:solidFill>
                 <a:latin typeface="Gotham"/>
                 <a:cs typeface="Gotham Bold"/>
               </a:rPr>
-              <a:t>Sabour S., Frosst N., Hinton G. E. (2017). Dynamic Routing Between Capsules</a:t>
+              <a:t>Sabour S., Frosst N., Hinton G. E., </a:t>
+            </a:r>
+            <a:r>
+              <a:rPr lang="en-US" sz="2450" i="1" dirty="0">
+                <a:solidFill>
+                  <a:srgbClr val="191919"/>
+                </a:solidFill>
+                <a:latin typeface="Gotham"/>
+                <a:cs typeface="Gotham Bold"/>
+              </a:rPr>
+              <a:t>Dynamic Routing Between Capsules </a:t>
+            </a:r>
+            <a:r>
+              <a:rPr lang="en-US" sz="2500" dirty="0">
+                <a:solidFill>
+                  <a:srgbClr val="191919"/>
+                </a:solidFill>
+                <a:latin typeface="Gotham"/>
+                <a:cs typeface="Gotham"/>
+              </a:rPr>
+              <a:t>(2017)</a:t>
             </a:r>
           </a:p>
         </p:txBody>
@@ -21547,20 +21658,104 @@
           <a:lstStyle/>
           <a:p>
             <a:r>
-              <a:rPr lang="it-IT">
+              <a:rPr lang="it-IT" dirty="0">
                 <a:ea typeface="Calibri"/>
                 <a:cs typeface="Calibri"/>
               </a:rPr>
               <a:t>[1] </a:t>
             </a:r>
             <a:r>
-              <a:rPr lang="it-IT">
+              <a:rPr lang="it-IT" dirty="0">
                 <a:ea typeface="+mn-lt"/>
                 <a:cs typeface="+mn-lt"/>
               </a:rPr>
-              <a:t>Mishra P., Verk R., Fornasier D., Piciarelli C., Foresti G. L. (2021, June). VT-ADL: A Vision Transformer Network for Image Anomaly Detection and Localization.</a:t>
+              <a:t>Mishra P., </a:t>
             </a:r>
-            <a:endParaRPr lang="it-IT"/>
+            <a:r>
+              <a:rPr lang="it-IT" dirty="0" err="1">
+                <a:ea typeface="+mn-lt"/>
+                <a:cs typeface="+mn-lt"/>
+              </a:rPr>
+              <a:t>Verk</a:t>
+            </a:r>
+            <a:r>
+              <a:rPr lang="it-IT" dirty="0">
+                <a:ea typeface="+mn-lt"/>
+                <a:cs typeface="+mn-lt"/>
+              </a:rPr>
+              <a:t> R., Fornasier D., </a:t>
+            </a:r>
+            <a:r>
+              <a:rPr lang="it-IT" dirty="0" err="1">
+                <a:ea typeface="+mn-lt"/>
+                <a:cs typeface="+mn-lt"/>
+              </a:rPr>
+              <a:t>Piciarelli</a:t>
+            </a:r>
+            <a:r>
+              <a:rPr lang="it-IT" dirty="0">
+                <a:ea typeface="+mn-lt"/>
+                <a:cs typeface="+mn-lt"/>
+              </a:rPr>
+              <a:t> C., Foresti G. L., </a:t>
+            </a:r>
+            <a:r>
+              <a:rPr lang="it-IT" i="1" dirty="0">
+                <a:ea typeface="+mn-lt"/>
+                <a:cs typeface="+mn-lt"/>
+              </a:rPr>
+              <a:t>VT-ADL: A Vision Transformer Network for Image </a:t>
+            </a:r>
+            <a:r>
+              <a:rPr lang="it-IT" i="1" dirty="0" err="1">
+                <a:ea typeface="+mn-lt"/>
+                <a:cs typeface="+mn-lt"/>
+              </a:rPr>
+              <a:t>Anomaly</a:t>
+            </a:r>
+            <a:r>
+              <a:rPr lang="it-IT" i="1" dirty="0">
+                <a:ea typeface="+mn-lt"/>
+                <a:cs typeface="+mn-lt"/>
+              </a:rPr>
+              <a:t> </a:t>
+            </a:r>
+            <a:r>
+              <a:rPr lang="it-IT" i="1" dirty="0" err="1">
+                <a:ea typeface="+mn-lt"/>
+                <a:cs typeface="+mn-lt"/>
+              </a:rPr>
+              <a:t>Detection</a:t>
+            </a:r>
+            <a:r>
+              <a:rPr lang="it-IT" i="1" dirty="0">
+                <a:ea typeface="+mn-lt"/>
+                <a:cs typeface="+mn-lt"/>
+              </a:rPr>
+              <a:t> and </a:t>
+            </a:r>
+            <a:r>
+              <a:rPr lang="it-IT" i="1" dirty="0" err="1">
+                <a:ea typeface="+mn-lt"/>
+                <a:cs typeface="+mn-lt"/>
+              </a:rPr>
+              <a:t>Localization</a:t>
+            </a:r>
+            <a:r>
+              <a:rPr lang="it-IT" i="1" dirty="0">
+                <a:ea typeface="+mn-lt"/>
+                <a:cs typeface="+mn-lt"/>
+              </a:rPr>
+              <a:t> </a:t>
+            </a:r>
+            <a:r>
+              <a:rPr lang="it-IT" dirty="0">
+                <a:ea typeface="+mn-lt"/>
+                <a:cs typeface="+mn-lt"/>
+              </a:rPr>
+              <a:t>(2021)</a:t>
+            </a:r>
+            <a:endParaRPr lang="it-IT" dirty="0" err="1"/>
           </a:p>
           <a:p>
             <a:endParaRPr lang="it-IT">
@@ -21581,9 +21776,79 @@
                 <a:ea typeface="+mn-lt"/>
                 <a:cs typeface="+mn-lt"/>
               </a:rPr>
-              <a:t>Zhu J., Chen X., He K., LeCun Y., Liu Z. (2025). Transformers without Normalization.</a:t>
+              <a:t>Zhu J., Chen X., He K., </a:t>
             </a:r>
-            <a:endParaRPr lang="it-IT">
+            <a:r>
+              <a:rPr lang="it-IT" err="1">
+                <a:ea typeface="+mn-lt"/>
+                <a:cs typeface="+mn-lt"/>
+              </a:rPr>
+              <a:t>LeCun</a:t>
+            </a:r>
+            <a:r>
+              <a:rPr lang="it-IT">
+                <a:ea typeface="+mn-lt"/>
+                <a:cs typeface="+mn-lt"/>
+              </a:rPr>
+              <a:t> Y., </a:t>
+            </a:r>
+            <a:r>
+              <a:rPr lang="it-IT" err="1">
+                <a:ea typeface="+mn-lt"/>
+                <a:cs typeface="+mn-lt"/>
+              </a:rPr>
+              <a:t>Liu</a:t>
+            </a:r>
+            <a:r>
+              <a:rPr lang="it-IT">
+                <a:ea typeface="+mn-lt"/>
+                <a:cs typeface="+mn-lt"/>
+              </a:rPr>
+              <a:t> Z., </a:t>
+            </a:r>
+            <a:r>
+              <a:rPr lang="it-IT" i="1">
+                <a:ea typeface="+mn-lt"/>
+                <a:cs typeface="+mn-lt"/>
+              </a:rPr>
+              <a:t>Transformers </a:t>
+            </a:r>
+            <a:r>
+              <a:rPr lang="it-IT" i="1" err="1">
+                <a:ea typeface="+mn-lt"/>
+                <a:cs typeface="+mn-lt"/>
+              </a:rPr>
+              <a:t>without</a:t>
+            </a:r>
+            <a:r>
+              <a:rPr lang="it-IT" i="1">
+                <a:ea typeface="+mn-lt"/>
+                <a:cs typeface="+mn-lt"/>
+              </a:rPr>
+              <a:t> </a:t>
+            </a:r>
+            <a:r>
+              <a:rPr lang="it-IT" i="1" err="1">
+                <a:ea typeface="+mn-lt"/>
+                <a:cs typeface="+mn-lt"/>
+              </a:rPr>
+              <a:t>Normalization</a:t>
+            </a:r>
+            <a:r>
+              <a:rPr lang="it-IT" i="1">
+                <a:ea typeface="+mn-lt"/>
+                <a:cs typeface="+mn-lt"/>
+              </a:rPr>
+              <a:t> </a:t>
+            </a:r>
+            <a:r>
+              <a:rPr lang="it-IT">
+                <a:ea typeface="+mn-lt"/>
+                <a:cs typeface="+mn-lt"/>
+              </a:rPr>
+              <a:t>(2025)</a:t>
+            </a:r>
+            <a:endParaRPr lang="it-IT" dirty="0" err="1">
               <a:ea typeface="Calibri"/>
               <a:cs typeface="Calibri"/>
             </a:endParaRPr>
@@ -37515,48 +37780,55 @@
           <a:lstStyle/>
           <a:p>
             <a:r>
-              <a:rPr lang="it-IT">
+              <a:rPr lang="it-IT" dirty="0">
                 <a:ea typeface="+mn-lt"/>
                 <a:cs typeface="+mn-lt"/>
               </a:rPr>
-              <a:t>[1] </a:t>
+              <a:t>[3] </a:t>
             </a:r>
             <a:r>
-              <a:rPr lang="en-US">
+              <a:rPr lang="en-US" dirty="0">
                 <a:ea typeface="+mn-lt"/>
                 <a:cs typeface="+mn-lt"/>
               </a:rPr>
               <a:t>Bergmann P., Fauser M., </a:t>
             </a:r>
             <a:r>
-              <a:rPr lang="en-US" err="1">
+              <a:rPr lang="en-US" dirty="0" err="1">
                 <a:ea typeface="+mn-lt"/>
                 <a:cs typeface="+mn-lt"/>
               </a:rPr>
               <a:t>Sattlegger</a:t>
             </a:r>
             <a:r>
-              <a:rPr lang="en-US">
+              <a:rPr lang="en-US" dirty="0">
                 <a:ea typeface="+mn-lt"/>
                 <a:cs typeface="+mn-lt"/>
               </a:rPr>
-              <a:t> D., Steger C. (2021). </a:t>
+              <a:t> D., Steger C., </a:t>
             </a:r>
             <a:r>
-              <a:rPr lang="en-US" err="1">
+              <a:rPr lang="en-US" i="1" dirty="0" err="1">
                 <a:ea typeface="+mn-lt"/>
                 <a:cs typeface="+mn-lt"/>
               </a:rPr>
               <a:t>MVTec</a:t>
             </a:r>
             <a:r>
-              <a:rPr lang="en-US">
+              <a:rPr lang="en-US" i="1" dirty="0">
                 <a:ea typeface="+mn-lt"/>
                 <a:cs typeface="+mn-lt"/>
               </a:rPr>
-              <a:t> AD — A Comprehensive Real-World Dataset for Unsupervised Anomaly Detection</a:t>
+              <a:t> AD — A Comprehensive Real-World Dataset for Unsupervised Anomaly Detection </a:t>
             </a:r>
-            <a:endParaRPr lang="it-IT">
+            <a:r>
+              <a:rPr lang="en-US" dirty="0">
+                <a:ea typeface="+mn-lt"/>
+                <a:cs typeface="+mn-lt"/>
+              </a:rPr>
+              <a:t>(2021)</a:t>
+            </a:r>
+            <a:endParaRPr lang="it-IT" i="1" dirty="0">
               <a:ea typeface="+mn-lt"/>
               <a:cs typeface="+mn-lt"/>
             </a:endParaRPr>
